--- a/GRAPHS.pptx
+++ b/GRAPHS.pptx
@@ -8,12 +8,18 @@
     <p:sldId id="257" r:id="rId2"/>
     <p:sldId id="258" r:id="rId3"/>
     <p:sldId id="259" r:id="rId4"/>
-    <p:sldId id="260" r:id="rId5"/>
-    <p:sldId id="261" r:id="rId6"/>
-    <p:sldId id="262" r:id="rId7"/>
-    <p:sldId id="263" r:id="rId8"/>
-    <p:sldId id="264" r:id="rId9"/>
-    <p:sldId id="265" r:id="rId10"/>
+    <p:sldId id="266" r:id="rId5"/>
+    <p:sldId id="260" r:id="rId6"/>
+    <p:sldId id="263" r:id="rId7"/>
+    <p:sldId id="261" r:id="rId8"/>
+    <p:sldId id="262" r:id="rId9"/>
+    <p:sldId id="264" r:id="rId10"/>
+    <p:sldId id="265" r:id="rId11"/>
+    <p:sldId id="267" r:id="rId12"/>
+    <p:sldId id="268" r:id="rId13"/>
+    <p:sldId id="269" r:id="rId14"/>
+    <p:sldId id="270" r:id="rId15"/>
+    <p:sldId id="271" r:id="rId16"/>
   </p:sldIdLst>
   <p:sldSz cx="12192000" cy="6858000"/>
   <p:notesSz cx="6858000" cy="9144000"/>
@@ -112,6 +118,11 @@
       </a:defRPr>
     </a:lvl9pPr>
   </p:defaultTextStyle>
+  <p:extLst>
+    <p:ext uri="{EFAFB233-063F-42B5-8137-9DF3F51BA10A}">
+      <p15:sldGuideLst xmlns:p15="http://schemas.microsoft.com/office/powerpoint/2012/main"/>
+    </p:ext>
+  </p:extLst>
 </p:presentation>
 </file>
 
@@ -262,7 +273,7 @@
           <a:p>
             <a:fld id="{0CDBF744-B234-4196-8F3D-DD4AF9261622}" type="datetimeFigureOut">
               <a:rPr lang="en-US" smtClean="0"/>
-              <a:t>4/30/2020</a:t>
+              <a:t>5/1/2020</a:t>
             </a:fld>
             <a:endParaRPr lang="en-US"/>
           </a:p>
@@ -460,7 +471,7 @@
           <a:p>
             <a:fld id="{0CDBF744-B234-4196-8F3D-DD4AF9261622}" type="datetimeFigureOut">
               <a:rPr lang="en-US" smtClean="0"/>
-              <a:t>4/30/2020</a:t>
+              <a:t>5/1/2020</a:t>
             </a:fld>
             <a:endParaRPr lang="en-US"/>
           </a:p>
@@ -668,7 +679,7 @@
           <a:p>
             <a:fld id="{0CDBF744-B234-4196-8F3D-DD4AF9261622}" type="datetimeFigureOut">
               <a:rPr lang="en-US" smtClean="0"/>
-              <a:t>4/30/2020</a:t>
+              <a:t>5/1/2020</a:t>
             </a:fld>
             <a:endParaRPr lang="en-US"/>
           </a:p>
@@ -866,7 +877,7 @@
           <a:p>
             <a:fld id="{0CDBF744-B234-4196-8F3D-DD4AF9261622}" type="datetimeFigureOut">
               <a:rPr lang="en-US" smtClean="0"/>
-              <a:t>4/30/2020</a:t>
+              <a:t>5/1/2020</a:t>
             </a:fld>
             <a:endParaRPr lang="en-US"/>
           </a:p>
@@ -1141,7 +1152,7 @@
           <a:p>
             <a:fld id="{0CDBF744-B234-4196-8F3D-DD4AF9261622}" type="datetimeFigureOut">
               <a:rPr lang="en-US" smtClean="0"/>
-              <a:t>4/30/2020</a:t>
+              <a:t>5/1/2020</a:t>
             </a:fld>
             <a:endParaRPr lang="en-US"/>
           </a:p>
@@ -1406,7 +1417,7 @@
           <a:p>
             <a:fld id="{0CDBF744-B234-4196-8F3D-DD4AF9261622}" type="datetimeFigureOut">
               <a:rPr lang="en-US" smtClean="0"/>
-              <a:t>4/30/2020</a:t>
+              <a:t>5/1/2020</a:t>
             </a:fld>
             <a:endParaRPr lang="en-US"/>
           </a:p>
@@ -1818,7 +1829,7 @@
           <a:p>
             <a:fld id="{0CDBF744-B234-4196-8F3D-DD4AF9261622}" type="datetimeFigureOut">
               <a:rPr lang="en-US" smtClean="0"/>
-              <a:t>4/30/2020</a:t>
+              <a:t>5/1/2020</a:t>
             </a:fld>
             <a:endParaRPr lang="en-US"/>
           </a:p>
@@ -1959,7 +1970,7 @@
           <a:p>
             <a:fld id="{0CDBF744-B234-4196-8F3D-DD4AF9261622}" type="datetimeFigureOut">
               <a:rPr lang="en-US" smtClean="0"/>
-              <a:t>4/30/2020</a:t>
+              <a:t>5/1/2020</a:t>
             </a:fld>
             <a:endParaRPr lang="en-US"/>
           </a:p>
@@ -2072,7 +2083,7 @@
           <a:p>
             <a:fld id="{0CDBF744-B234-4196-8F3D-DD4AF9261622}" type="datetimeFigureOut">
               <a:rPr lang="en-US" smtClean="0"/>
-              <a:t>4/30/2020</a:t>
+              <a:t>5/1/2020</a:t>
             </a:fld>
             <a:endParaRPr lang="en-US"/>
           </a:p>
@@ -2383,7 +2394,7 @@
           <a:p>
             <a:fld id="{0CDBF744-B234-4196-8F3D-DD4AF9261622}" type="datetimeFigureOut">
               <a:rPr lang="en-US" smtClean="0"/>
-              <a:t>4/30/2020</a:t>
+              <a:t>5/1/2020</a:t>
             </a:fld>
             <a:endParaRPr lang="en-US"/>
           </a:p>
@@ -2671,7 +2682,7 @@
           <a:p>
             <a:fld id="{0CDBF744-B234-4196-8F3D-DD4AF9261622}" type="datetimeFigureOut">
               <a:rPr lang="en-US" smtClean="0"/>
-              <a:t>4/30/2020</a:t>
+              <a:t>5/1/2020</a:t>
             </a:fld>
             <a:endParaRPr lang="en-US"/>
           </a:p>
@@ -2912,7 +2923,7 @@
           <a:p>
             <a:fld id="{0CDBF744-B234-4196-8F3D-DD4AF9261622}" type="datetimeFigureOut">
               <a:rPr lang="en-US" smtClean="0"/>
-              <a:t>4/30/2020</a:t>
+              <a:t>5/1/2020</a:t>
             </a:fld>
             <a:endParaRPr lang="en-US"/>
           </a:p>
@@ -3423,6 +3434,527 @@
 </p:sld>
 </file>
 
+<file path=ppt/slides/slide10.xml><?xml version="1.0" encoding="utf-8"?>
+<p:sld xmlns:a="http://schemas.openxmlformats.org/drawingml/2006/main" xmlns:r="http://schemas.openxmlformats.org/officeDocument/2006/relationships" xmlns:p="http://schemas.openxmlformats.org/presentationml/2006/main">
+  <p:cSld>
+    <p:spTree>
+      <p:nvGrpSpPr>
+        <p:cNvPr id="1" name=""/>
+        <p:cNvGrpSpPr/>
+        <p:nvPr/>
+      </p:nvGrpSpPr>
+      <p:grpSpPr>
+        <a:xfrm>
+          <a:off x="0" y="0"/>
+          <a:ext cx="0" cy="0"/>
+          <a:chOff x="0" y="0"/>
+          <a:chExt cx="0" cy="0"/>
+        </a:xfrm>
+      </p:grpSpPr>
+      <p:sp>
+        <p:nvSpPr>
+          <p:cNvPr id="2" name="Rectangle 1">
+            <a:extLst>
+              <a:ext uri="{FF2B5EF4-FFF2-40B4-BE49-F238E27FC236}">
+                <a16:creationId xmlns:a16="http://schemas.microsoft.com/office/drawing/2014/main" id="{1BCEE8DC-55BC-40CE-A9F1-F75D07EBD29F}"/>
+              </a:ext>
+            </a:extLst>
+          </p:cNvPr>
+          <p:cNvSpPr/>
+          <p:nvPr/>
+        </p:nvSpPr>
+        <p:spPr>
+          <a:xfrm>
+            <a:off x="756451" y="571500"/>
+            <a:ext cx="10679097" cy="5715000"/>
+          </a:xfrm>
+          <a:prstGeom prst="rect">
+            <a:avLst/>
+          </a:prstGeom>
+          <a:noFill/>
+          <a:ln>
+            <a:solidFill>
+              <a:schemeClr val="tx1"/>
+            </a:solidFill>
+          </a:ln>
+        </p:spPr>
+        <p:style>
+          <a:lnRef idx="2">
+            <a:schemeClr val="accent1">
+              <a:shade val="50000"/>
+            </a:schemeClr>
+          </a:lnRef>
+          <a:fillRef idx="1">
+            <a:schemeClr val="accent1"/>
+          </a:fillRef>
+          <a:effectRef idx="0">
+            <a:schemeClr val="accent1"/>
+          </a:effectRef>
+          <a:fontRef idx="minor">
+            <a:schemeClr val="lt1"/>
+          </a:fontRef>
+        </p:style>
+        <p:txBody>
+          <a:bodyPr rtlCol="0" anchor="ctr"/>
+          <a:lstStyle/>
+          <a:p>
+            <a:pPr algn="ctr"/>
+            <a:endParaRPr lang="en-US"/>
+          </a:p>
+        </p:txBody>
+      </p:sp>
+      <p:pic>
+        <p:nvPicPr>
+          <p:cNvPr id="4" name="Picture 3">
+            <a:extLst>
+              <a:ext uri="{FF2B5EF4-FFF2-40B4-BE49-F238E27FC236}">
+                <a16:creationId xmlns:a16="http://schemas.microsoft.com/office/drawing/2014/main" id="{461EF7FA-B7B4-4EA7-B097-EF6D8C3501FC}"/>
+              </a:ext>
+            </a:extLst>
+          </p:cNvPr>
+          <p:cNvPicPr>
+            <a:picLocks noChangeAspect="1"/>
+          </p:cNvPicPr>
+          <p:nvPr/>
+        </p:nvPicPr>
+        <p:blipFill rotWithShape="1">
+          <a:blip r:embed="rId2"/>
+          <a:srcRect l="6204" t="1872" r="6204" b="1872"/>
+          <a:stretch/>
+        </p:blipFill>
+        <p:spPr>
+          <a:xfrm>
+            <a:off x="756450" y="571500"/>
+            <a:ext cx="10679097" cy="5715000"/>
+          </a:xfrm>
+          <a:prstGeom prst="rect">
+            <a:avLst/>
+          </a:prstGeom>
+        </p:spPr>
+      </p:pic>
+    </p:spTree>
+    <p:extLst>
+      <p:ext uri="{BB962C8B-B14F-4D97-AF65-F5344CB8AC3E}">
+        <p14:creationId xmlns:p14="http://schemas.microsoft.com/office/powerpoint/2010/main" val="4090467937"/>
+      </p:ext>
+    </p:extLst>
+  </p:cSld>
+  <p:clrMapOvr>
+    <a:masterClrMapping/>
+  </p:clrMapOvr>
+</p:sld>
+</file>
+
+<file path=ppt/slides/slide11.xml><?xml version="1.0" encoding="utf-8"?>
+<p:sld xmlns:a="http://schemas.openxmlformats.org/drawingml/2006/main" xmlns:r="http://schemas.openxmlformats.org/officeDocument/2006/relationships" xmlns:p="http://schemas.openxmlformats.org/presentationml/2006/main">
+  <p:cSld>
+    <p:spTree>
+      <p:nvGrpSpPr>
+        <p:cNvPr id="1" name=""/>
+        <p:cNvGrpSpPr/>
+        <p:nvPr/>
+      </p:nvGrpSpPr>
+      <p:grpSpPr>
+        <a:xfrm>
+          <a:off x="0" y="0"/>
+          <a:ext cx="0" cy="0"/>
+          <a:chOff x="0" y="0"/>
+          <a:chExt cx="0" cy="0"/>
+        </a:xfrm>
+      </p:grpSpPr>
+      <p:sp>
+        <p:nvSpPr>
+          <p:cNvPr id="2" name="Rectangle 1">
+            <a:extLst>
+              <a:ext uri="{FF2B5EF4-FFF2-40B4-BE49-F238E27FC236}">
+                <a16:creationId xmlns:a16="http://schemas.microsoft.com/office/drawing/2014/main" id="{1BCEE8DC-55BC-40CE-A9F1-F75D07EBD29F}"/>
+              </a:ext>
+            </a:extLst>
+          </p:cNvPr>
+          <p:cNvSpPr/>
+          <p:nvPr/>
+        </p:nvSpPr>
+        <p:spPr>
+          <a:xfrm>
+            <a:off x="838200" y="571500"/>
+            <a:ext cx="10515600" cy="5715000"/>
+          </a:xfrm>
+          <a:prstGeom prst="rect">
+            <a:avLst/>
+          </a:prstGeom>
+          <a:noFill/>
+          <a:ln>
+            <a:solidFill>
+              <a:schemeClr val="tx1"/>
+            </a:solidFill>
+          </a:ln>
+        </p:spPr>
+        <p:style>
+          <a:lnRef idx="2">
+            <a:schemeClr val="accent1">
+              <a:shade val="50000"/>
+            </a:schemeClr>
+          </a:lnRef>
+          <a:fillRef idx="1">
+            <a:schemeClr val="accent1"/>
+          </a:fillRef>
+          <a:effectRef idx="0">
+            <a:schemeClr val="accent1"/>
+          </a:effectRef>
+          <a:fontRef idx="minor">
+            <a:schemeClr val="lt1"/>
+          </a:fontRef>
+        </p:style>
+        <p:txBody>
+          <a:bodyPr rtlCol="0" anchor="ctr"/>
+          <a:lstStyle/>
+          <a:p>
+            <a:pPr algn="ctr"/>
+            <a:endParaRPr lang="en-US"/>
+          </a:p>
+        </p:txBody>
+      </p:sp>
+    </p:spTree>
+    <p:extLst>
+      <p:ext uri="{BB962C8B-B14F-4D97-AF65-F5344CB8AC3E}">
+        <p14:creationId xmlns:p14="http://schemas.microsoft.com/office/powerpoint/2010/main" val="2220407413"/>
+      </p:ext>
+    </p:extLst>
+  </p:cSld>
+  <p:clrMapOvr>
+    <a:masterClrMapping/>
+  </p:clrMapOvr>
+</p:sld>
+</file>
+
+<file path=ppt/slides/slide12.xml><?xml version="1.0" encoding="utf-8"?>
+<p:sld xmlns:a="http://schemas.openxmlformats.org/drawingml/2006/main" xmlns:r="http://schemas.openxmlformats.org/officeDocument/2006/relationships" xmlns:p="http://schemas.openxmlformats.org/presentationml/2006/main">
+  <p:cSld>
+    <p:spTree>
+      <p:nvGrpSpPr>
+        <p:cNvPr id="1" name=""/>
+        <p:cNvGrpSpPr/>
+        <p:nvPr/>
+      </p:nvGrpSpPr>
+      <p:grpSpPr>
+        <a:xfrm>
+          <a:off x="0" y="0"/>
+          <a:ext cx="0" cy="0"/>
+          <a:chOff x="0" y="0"/>
+          <a:chExt cx="0" cy="0"/>
+        </a:xfrm>
+      </p:grpSpPr>
+      <p:sp>
+        <p:nvSpPr>
+          <p:cNvPr id="2" name="Rectangle 1">
+            <a:extLst>
+              <a:ext uri="{FF2B5EF4-FFF2-40B4-BE49-F238E27FC236}">
+                <a16:creationId xmlns:a16="http://schemas.microsoft.com/office/drawing/2014/main" id="{1BCEE8DC-55BC-40CE-A9F1-F75D07EBD29F}"/>
+              </a:ext>
+            </a:extLst>
+          </p:cNvPr>
+          <p:cNvSpPr/>
+          <p:nvPr/>
+        </p:nvSpPr>
+        <p:spPr>
+          <a:xfrm>
+            <a:off x="838200" y="571500"/>
+            <a:ext cx="10515600" cy="5715000"/>
+          </a:xfrm>
+          <a:prstGeom prst="rect">
+            <a:avLst/>
+          </a:prstGeom>
+          <a:noFill/>
+          <a:ln>
+            <a:solidFill>
+              <a:schemeClr val="tx1"/>
+            </a:solidFill>
+          </a:ln>
+        </p:spPr>
+        <p:style>
+          <a:lnRef idx="2">
+            <a:schemeClr val="accent1">
+              <a:shade val="50000"/>
+            </a:schemeClr>
+          </a:lnRef>
+          <a:fillRef idx="1">
+            <a:schemeClr val="accent1"/>
+          </a:fillRef>
+          <a:effectRef idx="0">
+            <a:schemeClr val="accent1"/>
+          </a:effectRef>
+          <a:fontRef idx="minor">
+            <a:schemeClr val="lt1"/>
+          </a:fontRef>
+        </p:style>
+        <p:txBody>
+          <a:bodyPr rtlCol="0" anchor="ctr"/>
+          <a:lstStyle/>
+          <a:p>
+            <a:pPr algn="ctr"/>
+            <a:endParaRPr lang="en-US"/>
+          </a:p>
+        </p:txBody>
+      </p:sp>
+    </p:spTree>
+    <p:extLst>
+      <p:ext uri="{BB962C8B-B14F-4D97-AF65-F5344CB8AC3E}">
+        <p14:creationId xmlns:p14="http://schemas.microsoft.com/office/powerpoint/2010/main" val="2696578001"/>
+      </p:ext>
+    </p:extLst>
+  </p:cSld>
+  <p:clrMapOvr>
+    <a:masterClrMapping/>
+  </p:clrMapOvr>
+</p:sld>
+</file>
+
+<file path=ppt/slides/slide13.xml><?xml version="1.0" encoding="utf-8"?>
+<p:sld xmlns:a="http://schemas.openxmlformats.org/drawingml/2006/main" xmlns:r="http://schemas.openxmlformats.org/officeDocument/2006/relationships" xmlns:p="http://schemas.openxmlformats.org/presentationml/2006/main">
+  <p:cSld>
+    <p:spTree>
+      <p:nvGrpSpPr>
+        <p:cNvPr id="1" name=""/>
+        <p:cNvGrpSpPr/>
+        <p:nvPr/>
+      </p:nvGrpSpPr>
+      <p:grpSpPr>
+        <a:xfrm>
+          <a:off x="0" y="0"/>
+          <a:ext cx="0" cy="0"/>
+          <a:chOff x="0" y="0"/>
+          <a:chExt cx="0" cy="0"/>
+        </a:xfrm>
+      </p:grpSpPr>
+      <p:sp>
+        <p:nvSpPr>
+          <p:cNvPr id="2" name="Rectangle 1">
+            <a:extLst>
+              <a:ext uri="{FF2B5EF4-FFF2-40B4-BE49-F238E27FC236}">
+                <a16:creationId xmlns:a16="http://schemas.microsoft.com/office/drawing/2014/main" id="{1BCEE8DC-55BC-40CE-A9F1-F75D07EBD29F}"/>
+              </a:ext>
+            </a:extLst>
+          </p:cNvPr>
+          <p:cNvSpPr/>
+          <p:nvPr/>
+        </p:nvSpPr>
+        <p:spPr>
+          <a:xfrm>
+            <a:off x="838200" y="571500"/>
+            <a:ext cx="10515600" cy="5715000"/>
+          </a:xfrm>
+          <a:prstGeom prst="rect">
+            <a:avLst/>
+          </a:prstGeom>
+          <a:noFill/>
+          <a:ln>
+            <a:solidFill>
+              <a:schemeClr val="tx1"/>
+            </a:solidFill>
+          </a:ln>
+        </p:spPr>
+        <p:style>
+          <a:lnRef idx="2">
+            <a:schemeClr val="accent1">
+              <a:shade val="50000"/>
+            </a:schemeClr>
+          </a:lnRef>
+          <a:fillRef idx="1">
+            <a:schemeClr val="accent1"/>
+          </a:fillRef>
+          <a:effectRef idx="0">
+            <a:schemeClr val="accent1"/>
+          </a:effectRef>
+          <a:fontRef idx="minor">
+            <a:schemeClr val="lt1"/>
+          </a:fontRef>
+        </p:style>
+        <p:txBody>
+          <a:bodyPr rtlCol="0" anchor="ctr"/>
+          <a:lstStyle/>
+          <a:p>
+            <a:pPr algn="ctr"/>
+            <a:endParaRPr lang="en-US"/>
+          </a:p>
+        </p:txBody>
+      </p:sp>
+    </p:spTree>
+    <p:extLst>
+      <p:ext uri="{BB962C8B-B14F-4D97-AF65-F5344CB8AC3E}">
+        <p14:creationId xmlns:p14="http://schemas.microsoft.com/office/powerpoint/2010/main" val="232816415"/>
+      </p:ext>
+    </p:extLst>
+  </p:cSld>
+  <p:clrMapOvr>
+    <a:masterClrMapping/>
+  </p:clrMapOvr>
+</p:sld>
+</file>
+
+<file path=ppt/slides/slide14.xml><?xml version="1.0" encoding="utf-8"?>
+<p:sld xmlns:a="http://schemas.openxmlformats.org/drawingml/2006/main" xmlns:r="http://schemas.openxmlformats.org/officeDocument/2006/relationships" xmlns:p="http://schemas.openxmlformats.org/presentationml/2006/main">
+  <p:cSld>
+    <p:spTree>
+      <p:nvGrpSpPr>
+        <p:cNvPr id="1" name=""/>
+        <p:cNvGrpSpPr/>
+        <p:nvPr/>
+      </p:nvGrpSpPr>
+      <p:grpSpPr>
+        <a:xfrm>
+          <a:off x="0" y="0"/>
+          <a:ext cx="0" cy="0"/>
+          <a:chOff x="0" y="0"/>
+          <a:chExt cx="0" cy="0"/>
+        </a:xfrm>
+      </p:grpSpPr>
+      <p:sp>
+        <p:nvSpPr>
+          <p:cNvPr id="2" name="Rectangle 1">
+            <a:extLst>
+              <a:ext uri="{FF2B5EF4-FFF2-40B4-BE49-F238E27FC236}">
+                <a16:creationId xmlns:a16="http://schemas.microsoft.com/office/drawing/2014/main" id="{1BCEE8DC-55BC-40CE-A9F1-F75D07EBD29F}"/>
+              </a:ext>
+            </a:extLst>
+          </p:cNvPr>
+          <p:cNvSpPr/>
+          <p:nvPr/>
+        </p:nvSpPr>
+        <p:spPr>
+          <a:xfrm>
+            <a:off x="838200" y="571500"/>
+            <a:ext cx="10515600" cy="5715000"/>
+          </a:xfrm>
+          <a:prstGeom prst="rect">
+            <a:avLst/>
+          </a:prstGeom>
+          <a:noFill/>
+          <a:ln>
+            <a:solidFill>
+              <a:schemeClr val="tx1"/>
+            </a:solidFill>
+          </a:ln>
+        </p:spPr>
+        <p:style>
+          <a:lnRef idx="2">
+            <a:schemeClr val="accent1">
+              <a:shade val="50000"/>
+            </a:schemeClr>
+          </a:lnRef>
+          <a:fillRef idx="1">
+            <a:schemeClr val="accent1"/>
+          </a:fillRef>
+          <a:effectRef idx="0">
+            <a:schemeClr val="accent1"/>
+          </a:effectRef>
+          <a:fontRef idx="minor">
+            <a:schemeClr val="lt1"/>
+          </a:fontRef>
+        </p:style>
+        <p:txBody>
+          <a:bodyPr rtlCol="0" anchor="ctr"/>
+          <a:lstStyle/>
+          <a:p>
+            <a:pPr algn="ctr"/>
+            <a:endParaRPr lang="en-US"/>
+          </a:p>
+        </p:txBody>
+      </p:sp>
+    </p:spTree>
+    <p:extLst>
+      <p:ext uri="{BB962C8B-B14F-4D97-AF65-F5344CB8AC3E}">
+        <p14:creationId xmlns:p14="http://schemas.microsoft.com/office/powerpoint/2010/main" val="409899388"/>
+      </p:ext>
+    </p:extLst>
+  </p:cSld>
+  <p:clrMapOvr>
+    <a:masterClrMapping/>
+  </p:clrMapOvr>
+</p:sld>
+</file>
+
+<file path=ppt/slides/slide15.xml><?xml version="1.0" encoding="utf-8"?>
+<p:sld xmlns:a="http://schemas.openxmlformats.org/drawingml/2006/main" xmlns:r="http://schemas.openxmlformats.org/officeDocument/2006/relationships" xmlns:p="http://schemas.openxmlformats.org/presentationml/2006/main">
+  <p:cSld>
+    <p:spTree>
+      <p:nvGrpSpPr>
+        <p:cNvPr id="1" name=""/>
+        <p:cNvGrpSpPr/>
+        <p:nvPr/>
+      </p:nvGrpSpPr>
+      <p:grpSpPr>
+        <a:xfrm>
+          <a:off x="0" y="0"/>
+          <a:ext cx="0" cy="0"/>
+          <a:chOff x="0" y="0"/>
+          <a:chExt cx="0" cy="0"/>
+        </a:xfrm>
+      </p:grpSpPr>
+      <p:sp>
+        <p:nvSpPr>
+          <p:cNvPr id="2" name="Rectangle 1">
+            <a:extLst>
+              <a:ext uri="{FF2B5EF4-FFF2-40B4-BE49-F238E27FC236}">
+                <a16:creationId xmlns:a16="http://schemas.microsoft.com/office/drawing/2014/main" id="{1BCEE8DC-55BC-40CE-A9F1-F75D07EBD29F}"/>
+              </a:ext>
+            </a:extLst>
+          </p:cNvPr>
+          <p:cNvSpPr/>
+          <p:nvPr/>
+        </p:nvSpPr>
+        <p:spPr>
+          <a:xfrm>
+            <a:off x="838200" y="571500"/>
+            <a:ext cx="10515600" cy="5715000"/>
+          </a:xfrm>
+          <a:prstGeom prst="rect">
+            <a:avLst/>
+          </a:prstGeom>
+          <a:noFill/>
+          <a:ln>
+            <a:solidFill>
+              <a:schemeClr val="tx1"/>
+            </a:solidFill>
+          </a:ln>
+        </p:spPr>
+        <p:style>
+          <a:lnRef idx="2">
+            <a:schemeClr val="accent1">
+              <a:shade val="50000"/>
+            </a:schemeClr>
+          </a:lnRef>
+          <a:fillRef idx="1">
+            <a:schemeClr val="accent1"/>
+          </a:fillRef>
+          <a:effectRef idx="0">
+            <a:schemeClr val="accent1"/>
+          </a:effectRef>
+          <a:fontRef idx="minor">
+            <a:schemeClr val="lt1"/>
+          </a:fontRef>
+        </p:style>
+        <p:txBody>
+          <a:bodyPr rtlCol="0" anchor="ctr"/>
+          <a:lstStyle/>
+          <a:p>
+            <a:pPr algn="ctr"/>
+            <a:endParaRPr lang="en-US"/>
+          </a:p>
+        </p:txBody>
+      </p:sp>
+    </p:spTree>
+    <p:extLst>
+      <p:ext uri="{BB962C8B-B14F-4D97-AF65-F5344CB8AC3E}">
+        <p14:creationId xmlns:p14="http://schemas.microsoft.com/office/powerpoint/2010/main" val="2136998529"/>
+      </p:ext>
+    </p:extLst>
+  </p:cSld>
+  <p:clrMapOvr>
+    <a:masterClrMapping/>
+  </p:clrMapOvr>
+</p:sld>
+</file>
+
 <file path=ppt/slides/slide2.xml><?xml version="1.0" encoding="utf-8"?>
 <p:sld xmlns:a="http://schemas.openxmlformats.org/drawingml/2006/main" xmlns:r="http://schemas.openxmlformats.org/officeDocument/2006/relationships" xmlns:p="http://schemas.openxmlformats.org/presentationml/2006/main">
   <p:cSld>
@@ -3632,6 +4164,60 @@
           </a:prstGeom>
         </p:spPr>
       </p:pic>
+      <p:sp>
+        <p:nvSpPr>
+          <p:cNvPr id="4" name="Rectangle 3">
+            <a:extLst>
+              <a:ext uri="{FF2B5EF4-FFF2-40B4-BE49-F238E27FC236}">
+                <a16:creationId xmlns:a16="http://schemas.microsoft.com/office/drawing/2014/main" id="{3E395D2A-0DEC-42C3-83A1-1F40206D4E9D}"/>
+              </a:ext>
+            </a:extLst>
+          </p:cNvPr>
+          <p:cNvSpPr/>
+          <p:nvPr/>
+        </p:nvSpPr>
+        <p:spPr>
+          <a:xfrm>
+            <a:off x="10005133" y="985422"/>
+            <a:ext cx="133165" cy="692458"/>
+          </a:xfrm>
+          <a:prstGeom prst="rect">
+            <a:avLst/>
+          </a:prstGeom>
+          <a:solidFill>
+            <a:schemeClr val="bg1"/>
+          </a:solidFill>
+          <a:ln>
+            <a:solidFill>
+              <a:schemeClr val="bg1"/>
+            </a:solidFill>
+          </a:ln>
+        </p:spPr>
+        <p:style>
+          <a:lnRef idx="2">
+            <a:schemeClr val="accent1">
+              <a:shade val="50000"/>
+            </a:schemeClr>
+          </a:lnRef>
+          <a:fillRef idx="1">
+            <a:schemeClr val="accent1"/>
+          </a:fillRef>
+          <a:effectRef idx="0">
+            <a:schemeClr val="accent1"/>
+          </a:effectRef>
+          <a:fontRef idx="minor">
+            <a:schemeClr val="lt1"/>
+          </a:fontRef>
+        </p:style>
+        <p:txBody>
+          <a:bodyPr rtlCol="0" anchor="ctr"/>
+          <a:lstStyle/>
+          <a:p>
+            <a:pPr algn="ctr"/>
+            <a:endParaRPr lang="en-US"/>
+          </a:p>
+        </p:txBody>
+      </p:sp>
     </p:spTree>
     <p:extLst>
       <p:ext uri="{BB962C8B-B14F-4D97-AF65-F5344CB8AC3E}">
@@ -3662,6 +4248,35 @@
           <a:chExt cx="0" cy="0"/>
         </a:xfrm>
       </p:grpSpPr>
+      <p:pic>
+        <p:nvPicPr>
+          <p:cNvPr id="3" name="Picture 2">
+            <a:extLst>
+              <a:ext uri="{FF2B5EF4-FFF2-40B4-BE49-F238E27FC236}">
+                <a16:creationId xmlns:a16="http://schemas.microsoft.com/office/drawing/2014/main" id="{9EE95D56-E78B-4994-A11B-76F46202C9A2}"/>
+              </a:ext>
+            </a:extLst>
+          </p:cNvPr>
+          <p:cNvPicPr>
+            <a:picLocks noChangeAspect="1"/>
+          </p:cNvPicPr>
+          <p:nvPr/>
+        </p:nvPicPr>
+        <p:blipFill rotWithShape="1">
+          <a:blip r:embed="rId2"/>
+          <a:srcRect l="6875" t="8334" r="6875" b="8333"/>
+          <a:stretch/>
+        </p:blipFill>
+        <p:spPr>
+          <a:xfrm>
+            <a:off x="838200" y="571500"/>
+            <a:ext cx="10515600" cy="5715000"/>
+          </a:xfrm>
+          <a:prstGeom prst="rect">
+            <a:avLst/>
+          </a:prstGeom>
+        </p:spPr>
+      </p:pic>
       <p:sp>
         <p:nvSpPr>
           <p:cNvPr id="2" name="Rectangle 1">
@@ -3714,6 +4329,88 @@
           </a:p>
         </p:txBody>
       </p:sp>
+    </p:spTree>
+    <p:extLst>
+      <p:ext uri="{BB962C8B-B14F-4D97-AF65-F5344CB8AC3E}">
+        <p14:creationId xmlns:p14="http://schemas.microsoft.com/office/powerpoint/2010/main" val="1496936087"/>
+      </p:ext>
+    </p:extLst>
+  </p:cSld>
+  <p:clrMapOvr>
+    <a:masterClrMapping/>
+  </p:clrMapOvr>
+</p:sld>
+</file>
+
+<file path=ppt/slides/slide5.xml><?xml version="1.0" encoding="utf-8"?>
+<p:sld xmlns:a="http://schemas.openxmlformats.org/drawingml/2006/main" xmlns:r="http://schemas.openxmlformats.org/officeDocument/2006/relationships" xmlns:p="http://schemas.openxmlformats.org/presentationml/2006/main">
+  <p:cSld>
+    <p:spTree>
+      <p:nvGrpSpPr>
+        <p:cNvPr id="1" name=""/>
+        <p:cNvGrpSpPr/>
+        <p:nvPr/>
+      </p:nvGrpSpPr>
+      <p:grpSpPr>
+        <a:xfrm>
+          <a:off x="0" y="0"/>
+          <a:ext cx="0" cy="0"/>
+          <a:chOff x="0" y="0"/>
+          <a:chExt cx="0" cy="0"/>
+        </a:xfrm>
+      </p:grpSpPr>
+      <p:sp>
+        <p:nvSpPr>
+          <p:cNvPr id="2" name="Rectangle 1">
+            <a:extLst>
+              <a:ext uri="{FF2B5EF4-FFF2-40B4-BE49-F238E27FC236}">
+                <a16:creationId xmlns:a16="http://schemas.microsoft.com/office/drawing/2014/main" id="{1BCEE8DC-55BC-40CE-A9F1-F75D07EBD29F}"/>
+              </a:ext>
+            </a:extLst>
+          </p:cNvPr>
+          <p:cNvSpPr/>
+          <p:nvPr/>
+        </p:nvSpPr>
+        <p:spPr>
+          <a:xfrm>
+            <a:off x="838200" y="571500"/>
+            <a:ext cx="10515600" cy="5715000"/>
+          </a:xfrm>
+          <a:prstGeom prst="rect">
+            <a:avLst/>
+          </a:prstGeom>
+          <a:noFill/>
+          <a:ln>
+            <a:solidFill>
+              <a:schemeClr val="tx1"/>
+            </a:solidFill>
+          </a:ln>
+        </p:spPr>
+        <p:style>
+          <a:lnRef idx="2">
+            <a:schemeClr val="accent1">
+              <a:shade val="50000"/>
+            </a:schemeClr>
+          </a:lnRef>
+          <a:fillRef idx="1">
+            <a:schemeClr val="accent1"/>
+          </a:fillRef>
+          <a:effectRef idx="0">
+            <a:schemeClr val="accent1"/>
+          </a:effectRef>
+          <a:fontRef idx="minor">
+            <a:schemeClr val="lt1"/>
+          </a:fontRef>
+        </p:style>
+        <p:txBody>
+          <a:bodyPr rtlCol="0" anchor="ctr"/>
+          <a:lstStyle/>
+          <a:p>
+            <a:pPr algn="ctr"/>
+            <a:endParaRPr lang="en-US"/>
+          </a:p>
+        </p:txBody>
+      </p:sp>
       <p:pic>
         <p:nvPicPr>
           <p:cNvPr id="3" name="Picture 2">
@@ -3743,6 +4440,60 @@
           </a:prstGeom>
         </p:spPr>
       </p:pic>
+      <p:sp>
+        <p:nvSpPr>
+          <p:cNvPr id="4" name="Rectangle 3">
+            <a:extLst>
+              <a:ext uri="{FF2B5EF4-FFF2-40B4-BE49-F238E27FC236}">
+                <a16:creationId xmlns:a16="http://schemas.microsoft.com/office/drawing/2014/main" id="{02FBB97A-6625-4418-9167-B7A5B99522A8}"/>
+              </a:ext>
+            </a:extLst>
+          </p:cNvPr>
+          <p:cNvSpPr/>
+          <p:nvPr/>
+        </p:nvSpPr>
+        <p:spPr>
+          <a:xfrm>
+            <a:off x="10005133" y="985422"/>
+            <a:ext cx="133165" cy="692458"/>
+          </a:xfrm>
+          <a:prstGeom prst="rect">
+            <a:avLst/>
+          </a:prstGeom>
+          <a:solidFill>
+            <a:schemeClr val="bg1"/>
+          </a:solidFill>
+          <a:ln>
+            <a:solidFill>
+              <a:schemeClr val="bg1"/>
+            </a:solidFill>
+          </a:ln>
+        </p:spPr>
+        <p:style>
+          <a:lnRef idx="2">
+            <a:schemeClr val="accent1">
+              <a:shade val="50000"/>
+            </a:schemeClr>
+          </a:lnRef>
+          <a:fillRef idx="1">
+            <a:schemeClr val="accent1"/>
+          </a:fillRef>
+          <a:effectRef idx="0">
+            <a:schemeClr val="accent1"/>
+          </a:effectRef>
+          <a:fontRef idx="minor">
+            <a:schemeClr val="lt1"/>
+          </a:fontRef>
+        </p:style>
+        <p:txBody>
+          <a:bodyPr rtlCol="0" anchor="ctr"/>
+          <a:lstStyle/>
+          <a:p>
+            <a:pPr algn="ctr"/>
+            <a:endParaRPr lang="en-US"/>
+          </a:p>
+        </p:txBody>
+      </p:sp>
     </p:spTree>
     <p:extLst>
       <p:ext uri="{BB962C8B-B14F-4D97-AF65-F5344CB8AC3E}">
@@ -3756,7 +4507,118 @@
 </p:sld>
 </file>
 
-<file path=ppt/slides/slide5.xml><?xml version="1.0" encoding="utf-8"?>
+<file path=ppt/slides/slide6.xml><?xml version="1.0" encoding="utf-8"?>
+<p:sld xmlns:a="http://schemas.openxmlformats.org/drawingml/2006/main" xmlns:r="http://schemas.openxmlformats.org/officeDocument/2006/relationships" xmlns:p="http://schemas.openxmlformats.org/presentationml/2006/main">
+  <p:cSld>
+    <p:spTree>
+      <p:nvGrpSpPr>
+        <p:cNvPr id="1" name=""/>
+        <p:cNvGrpSpPr/>
+        <p:nvPr/>
+      </p:nvGrpSpPr>
+      <p:grpSpPr>
+        <a:xfrm>
+          <a:off x="0" y="0"/>
+          <a:ext cx="0" cy="0"/>
+          <a:chOff x="0" y="0"/>
+          <a:chExt cx="0" cy="0"/>
+        </a:xfrm>
+      </p:grpSpPr>
+      <p:sp>
+        <p:nvSpPr>
+          <p:cNvPr id="2" name="Rectangle 1">
+            <a:extLst>
+              <a:ext uri="{FF2B5EF4-FFF2-40B4-BE49-F238E27FC236}">
+                <a16:creationId xmlns:a16="http://schemas.microsoft.com/office/drawing/2014/main" id="{1BCEE8DC-55BC-40CE-A9F1-F75D07EBD29F}"/>
+              </a:ext>
+            </a:extLst>
+          </p:cNvPr>
+          <p:cNvSpPr/>
+          <p:nvPr/>
+        </p:nvSpPr>
+        <p:spPr>
+          <a:xfrm>
+            <a:off x="838200" y="571500"/>
+            <a:ext cx="10515600" cy="5715000"/>
+          </a:xfrm>
+          <a:prstGeom prst="rect">
+            <a:avLst/>
+          </a:prstGeom>
+          <a:noFill/>
+          <a:ln>
+            <a:solidFill>
+              <a:schemeClr val="tx1"/>
+            </a:solidFill>
+          </a:ln>
+        </p:spPr>
+        <p:style>
+          <a:lnRef idx="2">
+            <a:schemeClr val="accent1">
+              <a:shade val="50000"/>
+            </a:schemeClr>
+          </a:lnRef>
+          <a:fillRef idx="1">
+            <a:schemeClr val="accent1"/>
+          </a:fillRef>
+          <a:effectRef idx="0">
+            <a:schemeClr val="accent1"/>
+          </a:effectRef>
+          <a:fontRef idx="minor">
+            <a:schemeClr val="lt1"/>
+          </a:fontRef>
+        </p:style>
+        <p:txBody>
+          <a:bodyPr rtlCol="0" anchor="ctr"/>
+          <a:lstStyle/>
+          <a:p>
+            <a:pPr algn="ctr"/>
+            <a:endParaRPr lang="en-US"/>
+          </a:p>
+        </p:txBody>
+      </p:sp>
+      <p:pic>
+        <p:nvPicPr>
+          <p:cNvPr id="3" name="Picture 2">
+            <a:extLst>
+              <a:ext uri="{FF2B5EF4-FFF2-40B4-BE49-F238E27FC236}">
+                <a16:creationId xmlns:a16="http://schemas.microsoft.com/office/drawing/2014/main" id="{BF11CA96-ED9F-43F9-B6C0-A27F43722CBE}"/>
+              </a:ext>
+            </a:extLst>
+          </p:cNvPr>
+          <p:cNvPicPr>
+            <a:picLocks noChangeAspect="1"/>
+          </p:cNvPicPr>
+          <p:nvPr/>
+        </p:nvPicPr>
+        <p:blipFill rotWithShape="1">
+          <a:blip r:embed="rId2"/>
+          <a:srcRect l="6875" t="8333" r="6875" b="8334"/>
+          <a:stretch/>
+        </p:blipFill>
+        <p:spPr>
+          <a:xfrm>
+            <a:off x="838200" y="571500"/>
+            <a:ext cx="10515600" cy="5715000"/>
+          </a:xfrm>
+          <a:prstGeom prst="rect">
+            <a:avLst/>
+          </a:prstGeom>
+        </p:spPr>
+      </p:pic>
+    </p:spTree>
+    <p:extLst>
+      <p:ext uri="{BB962C8B-B14F-4D97-AF65-F5344CB8AC3E}">
+        <p14:creationId xmlns:p14="http://schemas.microsoft.com/office/powerpoint/2010/main" val="2778997815"/>
+      </p:ext>
+    </p:extLst>
+  </p:cSld>
+  <p:clrMapOvr>
+    <a:masterClrMapping/>
+  </p:clrMapOvr>
+</p:sld>
+</file>
+
+<file path=ppt/slides/slide7.xml><?xml version="1.0" encoding="utf-8"?>
 <p:sld xmlns:a="http://schemas.openxmlformats.org/drawingml/2006/main" xmlns:r="http://schemas.openxmlformats.org/officeDocument/2006/relationships" xmlns:p="http://schemas.openxmlformats.org/presentationml/2006/main">
   <p:cSld>
     <p:spTree>
@@ -3867,7 +4729,7 @@
 </p:sld>
 </file>
 
-<file path=ppt/slides/slide6.xml><?xml version="1.0" encoding="utf-8"?>
+<file path=ppt/slides/slide8.xml><?xml version="1.0" encoding="utf-8"?>
 <p:sld xmlns:a="http://schemas.openxmlformats.org/drawingml/2006/main" xmlns:r="http://schemas.openxmlformats.org/officeDocument/2006/relationships" xmlns:p="http://schemas.openxmlformats.org/presentationml/2006/main">
   <p:cSld>
     <p:spTree>
@@ -3965,6 +4827,60 @@
           </a:prstGeom>
         </p:spPr>
       </p:pic>
+      <p:sp>
+        <p:nvSpPr>
+          <p:cNvPr id="5" name="Rectangle 4">
+            <a:extLst>
+              <a:ext uri="{FF2B5EF4-FFF2-40B4-BE49-F238E27FC236}">
+                <a16:creationId xmlns:a16="http://schemas.microsoft.com/office/drawing/2014/main" id="{204C7076-56E5-475C-B933-9279B0E35341}"/>
+              </a:ext>
+            </a:extLst>
+          </p:cNvPr>
+          <p:cNvSpPr/>
+          <p:nvPr/>
+        </p:nvSpPr>
+        <p:spPr>
+          <a:xfrm>
+            <a:off x="9978499" y="994300"/>
+            <a:ext cx="133165" cy="692458"/>
+          </a:xfrm>
+          <a:prstGeom prst="rect">
+            <a:avLst/>
+          </a:prstGeom>
+          <a:solidFill>
+            <a:schemeClr val="bg1"/>
+          </a:solidFill>
+          <a:ln>
+            <a:solidFill>
+              <a:schemeClr val="bg1"/>
+            </a:solidFill>
+          </a:ln>
+        </p:spPr>
+        <p:style>
+          <a:lnRef idx="2">
+            <a:schemeClr val="accent1">
+              <a:shade val="50000"/>
+            </a:schemeClr>
+          </a:lnRef>
+          <a:fillRef idx="1">
+            <a:schemeClr val="accent1"/>
+          </a:fillRef>
+          <a:effectRef idx="0">
+            <a:schemeClr val="accent1"/>
+          </a:effectRef>
+          <a:fontRef idx="minor">
+            <a:schemeClr val="lt1"/>
+          </a:fontRef>
+        </p:style>
+        <p:txBody>
+          <a:bodyPr rtlCol="0" anchor="ctr"/>
+          <a:lstStyle/>
+          <a:p>
+            <a:pPr algn="ctr"/>
+            <a:endParaRPr lang="en-US"/>
+          </a:p>
+        </p:txBody>
+      </p:sp>
     </p:spTree>
     <p:extLst>
       <p:ext uri="{BB962C8B-B14F-4D97-AF65-F5344CB8AC3E}">
@@ -3978,7 +4894,7 @@
 </p:sld>
 </file>
 
-<file path=ppt/slides/slide7.xml><?xml version="1.0" encoding="utf-8"?>
+<file path=ppt/slides/slide9.xml><?xml version="1.0" encoding="utf-8"?>
 <p:sld xmlns:a="http://schemas.openxmlformats.org/drawingml/2006/main" xmlns:r="http://schemas.openxmlformats.org/officeDocument/2006/relationships" xmlns:p="http://schemas.openxmlformats.org/presentationml/2006/main">
   <p:cSld>
     <p:spTree>
@@ -4047,48 +4963,25 @@
           </a:p>
         </p:txBody>
       </p:sp>
-    </p:spTree>
-    <p:extLst>
-      <p:ext uri="{BB962C8B-B14F-4D97-AF65-F5344CB8AC3E}">
-        <p14:creationId xmlns:p14="http://schemas.microsoft.com/office/powerpoint/2010/main" val="2778997815"/>
-      </p:ext>
-    </p:extLst>
-  </p:cSld>
-  <p:clrMapOvr>
-    <a:masterClrMapping/>
-  </p:clrMapOvr>
-</p:sld>
-</file>
-
-<file path=ppt/slides/slide8.xml><?xml version="1.0" encoding="utf-8"?>
-<p:sld xmlns:a="http://schemas.openxmlformats.org/drawingml/2006/main" xmlns:r="http://schemas.openxmlformats.org/officeDocument/2006/relationships" xmlns:p="http://schemas.openxmlformats.org/presentationml/2006/main">
-  <p:cSld>
-    <p:spTree>
-      <p:nvGrpSpPr>
-        <p:cNvPr id="1" name=""/>
-        <p:cNvGrpSpPr/>
-        <p:nvPr/>
-      </p:nvGrpSpPr>
-      <p:grpSpPr>
-        <a:xfrm>
-          <a:off x="0" y="0"/>
-          <a:ext cx="0" cy="0"/>
-          <a:chOff x="0" y="0"/>
-          <a:chExt cx="0" cy="0"/>
-        </a:xfrm>
-      </p:grpSpPr>
-      <p:sp>
-        <p:nvSpPr>
-          <p:cNvPr id="2" name="Rectangle 1">
-            <a:extLst>
-              <a:ext uri="{FF2B5EF4-FFF2-40B4-BE49-F238E27FC236}">
-                <a16:creationId xmlns:a16="http://schemas.microsoft.com/office/drawing/2014/main" id="{1BCEE8DC-55BC-40CE-A9F1-F75D07EBD29F}"/>
-              </a:ext>
-            </a:extLst>
-          </p:cNvPr>
-          <p:cNvSpPr/>
+      <p:pic>
+        <p:nvPicPr>
+          <p:cNvPr id="3" name="Picture 2">
+            <a:extLst>
+              <a:ext uri="{FF2B5EF4-FFF2-40B4-BE49-F238E27FC236}">
+                <a16:creationId xmlns:a16="http://schemas.microsoft.com/office/drawing/2014/main" id="{D74826D3-0124-471C-B3C3-F006288CC622}"/>
+              </a:ext>
+            </a:extLst>
+          </p:cNvPr>
+          <p:cNvPicPr>
+            <a:picLocks noChangeAspect="1"/>
+          </p:cNvPicPr>
           <p:nvPr/>
-        </p:nvSpPr>
+        </p:nvPicPr>
+        <p:blipFill rotWithShape="1">
+          <a:blip r:embed="rId2"/>
+          <a:srcRect l="6875" t="8333" r="6875" b="8334"/>
+          <a:stretch/>
+        </p:blipFill>
         <p:spPr>
           <a:xfrm>
             <a:off x="838200" y="571500"/>
@@ -4097,124 +4990,12 @@
           <a:prstGeom prst="rect">
             <a:avLst/>
           </a:prstGeom>
-          <a:noFill/>
-          <a:ln>
-            <a:solidFill>
-              <a:schemeClr val="tx1"/>
-            </a:solidFill>
-          </a:ln>
         </p:spPr>
-        <p:style>
-          <a:lnRef idx="2">
-            <a:schemeClr val="accent1">
-              <a:shade val="50000"/>
-            </a:schemeClr>
-          </a:lnRef>
-          <a:fillRef idx="1">
-            <a:schemeClr val="accent1"/>
-          </a:fillRef>
-          <a:effectRef idx="0">
-            <a:schemeClr val="accent1"/>
-          </a:effectRef>
-          <a:fontRef idx="minor">
-            <a:schemeClr val="lt1"/>
-          </a:fontRef>
-        </p:style>
-        <p:txBody>
-          <a:bodyPr rtlCol="0" anchor="ctr"/>
-          <a:lstStyle/>
-          <a:p>
-            <a:pPr algn="ctr"/>
-            <a:endParaRPr lang="en-US"/>
-          </a:p>
-        </p:txBody>
-      </p:sp>
+      </p:pic>
     </p:spTree>
     <p:extLst>
       <p:ext uri="{BB962C8B-B14F-4D97-AF65-F5344CB8AC3E}">
         <p14:creationId xmlns:p14="http://schemas.microsoft.com/office/powerpoint/2010/main" val="397490740"/>
-      </p:ext>
-    </p:extLst>
-  </p:cSld>
-  <p:clrMapOvr>
-    <a:masterClrMapping/>
-  </p:clrMapOvr>
-</p:sld>
-</file>
-
-<file path=ppt/slides/slide9.xml><?xml version="1.0" encoding="utf-8"?>
-<p:sld xmlns:a="http://schemas.openxmlformats.org/drawingml/2006/main" xmlns:r="http://schemas.openxmlformats.org/officeDocument/2006/relationships" xmlns:p="http://schemas.openxmlformats.org/presentationml/2006/main">
-  <p:cSld>
-    <p:spTree>
-      <p:nvGrpSpPr>
-        <p:cNvPr id="1" name=""/>
-        <p:cNvGrpSpPr/>
-        <p:nvPr/>
-      </p:nvGrpSpPr>
-      <p:grpSpPr>
-        <a:xfrm>
-          <a:off x="0" y="0"/>
-          <a:ext cx="0" cy="0"/>
-          <a:chOff x="0" y="0"/>
-          <a:chExt cx="0" cy="0"/>
-        </a:xfrm>
-      </p:grpSpPr>
-      <p:sp>
-        <p:nvSpPr>
-          <p:cNvPr id="2" name="Rectangle 1">
-            <a:extLst>
-              <a:ext uri="{FF2B5EF4-FFF2-40B4-BE49-F238E27FC236}">
-                <a16:creationId xmlns:a16="http://schemas.microsoft.com/office/drawing/2014/main" id="{1BCEE8DC-55BC-40CE-A9F1-F75D07EBD29F}"/>
-              </a:ext>
-            </a:extLst>
-          </p:cNvPr>
-          <p:cNvSpPr/>
-          <p:nvPr/>
-        </p:nvSpPr>
-        <p:spPr>
-          <a:xfrm>
-            <a:off x="838200" y="571500"/>
-            <a:ext cx="10515600" cy="5715000"/>
-          </a:xfrm>
-          <a:prstGeom prst="rect">
-            <a:avLst/>
-          </a:prstGeom>
-          <a:noFill/>
-          <a:ln>
-            <a:solidFill>
-              <a:schemeClr val="tx1"/>
-            </a:solidFill>
-          </a:ln>
-        </p:spPr>
-        <p:style>
-          <a:lnRef idx="2">
-            <a:schemeClr val="accent1">
-              <a:shade val="50000"/>
-            </a:schemeClr>
-          </a:lnRef>
-          <a:fillRef idx="1">
-            <a:schemeClr val="accent1"/>
-          </a:fillRef>
-          <a:effectRef idx="0">
-            <a:schemeClr val="accent1"/>
-          </a:effectRef>
-          <a:fontRef idx="minor">
-            <a:schemeClr val="lt1"/>
-          </a:fontRef>
-        </p:style>
-        <p:txBody>
-          <a:bodyPr rtlCol="0" anchor="ctr"/>
-          <a:lstStyle/>
-          <a:p>
-            <a:pPr algn="ctr"/>
-            <a:endParaRPr lang="en-US"/>
-          </a:p>
-        </p:txBody>
-      </p:sp>
-    </p:spTree>
-    <p:extLst>
-      <p:ext uri="{BB962C8B-B14F-4D97-AF65-F5344CB8AC3E}">
-        <p14:creationId xmlns:p14="http://schemas.microsoft.com/office/powerpoint/2010/main" val="4090467937"/>
       </p:ext>
     </p:extLst>
   </p:cSld>
